--- a/大学信息技术/项目4/实训2/慧雅诗韵.pptx
+++ b/大学信息技术/项目4/实训2/慧雅诗韵.pptx
@@ -1578,7 +1578,7 @@
               </a:solidFill>
               <a:latin typeface="微软雅黑" panose="020B0503020204020204" pitchFamily="34" charset="-122"/>
               <a:ea typeface="微软雅黑" panose="020B0503020204020204" pitchFamily="34" charset="-122"/>
-              <a:hlinkClick xmlns:r="http://schemas.openxmlformats.org/officeDocument/2006/relationships" r:id=""/>
+              <a:hlinkClick xmlns:r="http://schemas.openxmlformats.org/officeDocument/2006/relationships" r:id="" action="ppaction://hlinksldjump"/>
             </a:rPr>
             <a:t>描写春天景物的诗词</a:t>
           </a:r>
@@ -1705,7 +1705,7 @@
               </a:solidFill>
               <a:latin typeface="微软雅黑" panose="020B0503020204020204" pitchFamily="34" charset="-122"/>
               <a:ea typeface="微软雅黑" panose="020B0503020204020204" pitchFamily="34" charset="-122"/>
-              <a:hlinkClick xmlns:r="http://schemas.openxmlformats.org/officeDocument/2006/relationships" r:id=""/>
+              <a:hlinkClick xmlns:r="http://schemas.openxmlformats.org/officeDocument/2006/relationships" r:id="" action="ppaction://hlinksldjump"/>
             </a:rPr>
             <a:t>描写夏天景物的诗词</a:t>
           </a:r>
@@ -1832,7 +1832,7 @@
               </a:solidFill>
               <a:latin typeface="微软雅黑" panose="020B0503020204020204" pitchFamily="34" charset="-122"/>
               <a:ea typeface="微软雅黑" panose="020B0503020204020204" pitchFamily="34" charset="-122"/>
-              <a:hlinkClick xmlns:r="http://schemas.openxmlformats.org/officeDocument/2006/relationships" r:id=""/>
+              <a:hlinkClick xmlns:r="http://schemas.openxmlformats.org/officeDocument/2006/relationships" r:id="" action="ppaction://hlinksldjump"/>
             </a:rPr>
             <a:t>描写秋天景物的诗词</a:t>
           </a:r>
@@ -1965,7 +1965,7 @@
               </a:solidFill>
               <a:latin typeface="微软雅黑" panose="020B0503020204020204" pitchFamily="34" charset="-122"/>
               <a:ea typeface="微软雅黑" panose="020B0503020204020204" pitchFamily="34" charset="-122"/>
-              <a:hlinkClick xmlns:r="http://schemas.openxmlformats.org/officeDocument/2006/relationships" r:id=""/>
+              <a:hlinkClick xmlns:r="http://schemas.openxmlformats.org/officeDocument/2006/relationships" r:id="" action="ppaction://hlinksldjump"/>
             </a:rPr>
             <a:t>描写冬天景物的诗词</a:t>
           </a:r>
@@ -3858,13 +3858,13 @@
   <p:clrMapOvr>
     <a:masterClrMapping/>
   </p:clrMapOvr>
-  <mc:AlternateContent xmlns:mc="http://schemas.openxmlformats.org/markup-compatibility/2006">
-    <mc:Choice xmlns:p15="http://schemas.microsoft.com/office/powerpoint/2012/main" Requires="p15">
+  <mc:AlternateContent xmlns:mc="http://schemas.openxmlformats.org/markup-compatibility/2006" xmlns:p15="http://schemas.microsoft.com/office/powerpoint/2012/main">
+    <mc:Choice Requires="p15">
       <p:transition xmlns:p14="http://schemas.microsoft.com/office/powerpoint/2010/main" spd="slow" p14:dur="2000" advTm="8000">
         <p15:prstTrans prst="pageCurlDouble"/>
       </p:transition>
     </mc:Choice>
-    <mc:Fallback>
+    <mc:Fallback xmlns="">
       <p:transition spd="slow" advTm="8000">
         <p:fade/>
       </p:transition>
@@ -4044,13 +4044,13 @@
   <p:clrMapOvr>
     <a:masterClrMapping/>
   </p:clrMapOvr>
-  <mc:AlternateContent xmlns:mc="http://schemas.openxmlformats.org/markup-compatibility/2006">
-    <mc:Choice xmlns:p15="http://schemas.microsoft.com/office/powerpoint/2012/main" Requires="p15">
+  <mc:AlternateContent xmlns:mc="http://schemas.openxmlformats.org/markup-compatibility/2006" xmlns:p15="http://schemas.microsoft.com/office/powerpoint/2012/main">
+    <mc:Choice Requires="p15">
       <p:transition xmlns:p14="http://schemas.microsoft.com/office/powerpoint/2010/main" spd="slow" p14:dur="2000" advTm="8000">
         <p15:prstTrans prst="pageCurlDouble"/>
       </p:transition>
     </mc:Choice>
-    <mc:Fallback>
+    <mc:Fallback xmlns="">
       <p:transition spd="slow" advTm="8000">
         <p:fade/>
       </p:transition>
@@ -4240,13 +4240,13 @@
   <p:clrMapOvr>
     <a:masterClrMapping/>
   </p:clrMapOvr>
-  <mc:AlternateContent xmlns:mc="http://schemas.openxmlformats.org/markup-compatibility/2006">
-    <mc:Choice xmlns:p15="http://schemas.microsoft.com/office/powerpoint/2012/main" Requires="p15">
+  <mc:AlternateContent xmlns:mc="http://schemas.openxmlformats.org/markup-compatibility/2006" xmlns:p15="http://schemas.microsoft.com/office/powerpoint/2012/main">
+    <mc:Choice Requires="p15">
       <p:transition xmlns:p14="http://schemas.microsoft.com/office/powerpoint/2010/main" spd="slow" p14:dur="2000" advTm="8000">
         <p15:prstTrans prst="pageCurlDouble"/>
       </p:transition>
     </mc:Choice>
-    <mc:Fallback>
+    <mc:Fallback xmlns="">
       <p:transition spd="slow" advTm="8000">
         <p:fade/>
       </p:transition>
@@ -4462,13 +4462,13 @@
   <p:clrMapOvr>
     <a:masterClrMapping/>
   </p:clrMapOvr>
-  <mc:AlternateContent xmlns:mc="http://schemas.openxmlformats.org/markup-compatibility/2006">
-    <mc:Choice xmlns:p15="http://schemas.microsoft.com/office/powerpoint/2012/main" Requires="p15">
+  <mc:AlternateContent xmlns:mc="http://schemas.openxmlformats.org/markup-compatibility/2006" xmlns:p15="http://schemas.microsoft.com/office/powerpoint/2012/main">
+    <mc:Choice Requires="p15">
       <p:transition xmlns:p14="http://schemas.microsoft.com/office/powerpoint/2010/main" spd="slow" p14:dur="2000" advTm="8000">
         <p15:prstTrans prst="pageCurlDouble"/>
       </p:transition>
     </mc:Choice>
-    <mc:Fallback>
+    <mc:Fallback xmlns="">
       <p:transition spd="slow" advTm="8000">
         <p:fade/>
       </p:transition>
@@ -4724,13 +4724,13 @@
   <p:clrMapOvr>
     <a:masterClrMapping/>
   </p:clrMapOvr>
-  <mc:AlternateContent xmlns:mc="http://schemas.openxmlformats.org/markup-compatibility/2006">
-    <mc:Choice xmlns:p15="http://schemas.microsoft.com/office/powerpoint/2012/main" Requires="p15">
+  <mc:AlternateContent xmlns:mc="http://schemas.openxmlformats.org/markup-compatibility/2006" xmlns:p15="http://schemas.microsoft.com/office/powerpoint/2012/main">
+    <mc:Choice Requires="p15">
       <p:transition xmlns:p14="http://schemas.microsoft.com/office/powerpoint/2010/main" spd="slow" p14:dur="2000" advTm="8000">
         <p15:prstTrans prst="pageCurlDouble"/>
       </p:transition>
     </mc:Choice>
-    <mc:Fallback>
+    <mc:Fallback xmlns="">
       <p:transition spd="slow" advTm="8000">
         <p:fade/>
       </p:transition>
@@ -4972,13 +4972,13 @@
   <p:clrMapOvr>
     <a:masterClrMapping/>
   </p:clrMapOvr>
-  <mc:AlternateContent xmlns:mc="http://schemas.openxmlformats.org/markup-compatibility/2006">
-    <mc:Choice xmlns:p15="http://schemas.microsoft.com/office/powerpoint/2012/main" Requires="p15">
+  <mc:AlternateContent xmlns:mc="http://schemas.openxmlformats.org/markup-compatibility/2006" xmlns:p15="http://schemas.microsoft.com/office/powerpoint/2012/main">
+    <mc:Choice Requires="p15">
       <p:transition xmlns:p14="http://schemas.microsoft.com/office/powerpoint/2010/main" spd="slow" p14:dur="2000" advTm="8000">
         <p15:prstTrans prst="pageCurlDouble"/>
       </p:transition>
     </mc:Choice>
-    <mc:Fallback>
+    <mc:Fallback xmlns="">
       <p:transition spd="slow" advTm="8000">
         <p:fade/>
       </p:transition>
@@ -5355,13 +5355,13 @@
   <p:clrMapOvr>
     <a:masterClrMapping/>
   </p:clrMapOvr>
-  <mc:AlternateContent xmlns:mc="http://schemas.openxmlformats.org/markup-compatibility/2006">
-    <mc:Choice xmlns:p15="http://schemas.microsoft.com/office/powerpoint/2012/main" Requires="p15">
+  <mc:AlternateContent xmlns:mc="http://schemas.openxmlformats.org/markup-compatibility/2006" xmlns:p15="http://schemas.microsoft.com/office/powerpoint/2012/main">
+    <mc:Choice Requires="p15">
       <p:transition xmlns:p14="http://schemas.microsoft.com/office/powerpoint/2010/main" spd="slow" p14:dur="2000" advTm="8000">
         <p15:prstTrans prst="pageCurlDouble"/>
       </p:transition>
     </mc:Choice>
-    <mc:Fallback>
+    <mc:Fallback xmlns="">
       <p:transition spd="slow" advTm="8000">
         <p:fade/>
       </p:transition>
@@ -5489,13 +5489,13 @@
   <p:clrMapOvr>
     <a:masterClrMapping/>
   </p:clrMapOvr>
-  <mc:AlternateContent xmlns:mc="http://schemas.openxmlformats.org/markup-compatibility/2006">
-    <mc:Choice xmlns:p15="http://schemas.microsoft.com/office/powerpoint/2012/main" Requires="p15">
+  <mc:AlternateContent xmlns:mc="http://schemas.openxmlformats.org/markup-compatibility/2006" xmlns:p15="http://schemas.microsoft.com/office/powerpoint/2012/main">
+    <mc:Choice Requires="p15">
       <p:transition xmlns:p14="http://schemas.microsoft.com/office/powerpoint/2010/main" spd="slow" p14:dur="2000" advTm="8000">
         <p15:prstTrans prst="pageCurlDouble"/>
       </p:transition>
     </mc:Choice>
-    <mc:Fallback>
+    <mc:Fallback xmlns="">
       <p:transition spd="slow" advTm="8000">
         <p:fade/>
       </p:transition>
@@ -5636,13 +5636,13 @@
   <p:clrMapOvr>
     <a:masterClrMapping/>
   </p:clrMapOvr>
-  <mc:AlternateContent xmlns:mc="http://schemas.openxmlformats.org/markup-compatibility/2006">
-    <mc:Choice xmlns:p15="http://schemas.microsoft.com/office/powerpoint/2012/main" Requires="p15">
+  <mc:AlternateContent xmlns:mc="http://schemas.openxmlformats.org/markup-compatibility/2006" xmlns:p15="http://schemas.microsoft.com/office/powerpoint/2012/main">
+    <mc:Choice Requires="p15">
       <p:transition xmlns:p14="http://schemas.microsoft.com/office/powerpoint/2010/main" spd="slow" p14:dur="2000" advTm="8000">
         <p15:prstTrans prst="pageCurlDouble"/>
       </p:transition>
     </mc:Choice>
-    <mc:Fallback>
+    <mc:Fallback xmlns="">
       <p:transition spd="slow" advTm="8000">
         <p:fade/>
       </p:transition>
@@ -5929,13 +5929,13 @@
   <p:clrMapOvr>
     <a:masterClrMapping/>
   </p:clrMapOvr>
-  <mc:AlternateContent xmlns:mc="http://schemas.openxmlformats.org/markup-compatibility/2006">
-    <mc:Choice xmlns:p15="http://schemas.microsoft.com/office/powerpoint/2012/main" Requires="p15">
+  <mc:AlternateContent xmlns:mc="http://schemas.openxmlformats.org/markup-compatibility/2006" xmlns:p15="http://schemas.microsoft.com/office/powerpoint/2012/main">
+    <mc:Choice Requires="p15">
       <p:transition xmlns:p14="http://schemas.microsoft.com/office/powerpoint/2010/main" spd="slow" p14:dur="2000" advTm="8000">
         <p15:prstTrans prst="pageCurlDouble"/>
       </p:transition>
     </mc:Choice>
-    <mc:Fallback>
+    <mc:Fallback xmlns="">
       <p:transition spd="slow" advTm="8000">
         <p:fade/>
       </p:transition>
@@ -6202,13 +6202,13 @@
   <p:clrMapOvr>
     <a:masterClrMapping/>
   </p:clrMapOvr>
-  <mc:AlternateContent xmlns:mc="http://schemas.openxmlformats.org/markup-compatibility/2006">
-    <mc:Choice xmlns:p15="http://schemas.microsoft.com/office/powerpoint/2012/main" Requires="p15">
+  <mc:AlternateContent xmlns:mc="http://schemas.openxmlformats.org/markup-compatibility/2006" xmlns:p15="http://schemas.microsoft.com/office/powerpoint/2012/main">
+    <mc:Choice Requires="p15">
       <p:transition xmlns:p14="http://schemas.microsoft.com/office/powerpoint/2010/main" spd="slow" p14:dur="2000" advTm="8000">
         <p15:prstTrans prst="pageCurlDouble"/>
       </p:transition>
     </mc:Choice>
-    <mc:Fallback>
+    <mc:Fallback xmlns="">
       <p:transition spd="slow" advTm="8000">
         <p:fade/>
       </p:transition>
@@ -6498,13 +6498,13 @@
     <p:sldLayoutId id="2147483670" r:id="rId10"/>
     <p:sldLayoutId id="2147483671" r:id="rId11"/>
   </p:sldLayoutIdLst>
-  <mc:AlternateContent xmlns:mc="http://schemas.openxmlformats.org/markup-compatibility/2006">
-    <mc:Choice xmlns:p15="http://schemas.microsoft.com/office/powerpoint/2012/main" Requires="p15">
+  <mc:AlternateContent xmlns:mc="http://schemas.openxmlformats.org/markup-compatibility/2006" xmlns:p15="http://schemas.microsoft.com/office/powerpoint/2012/main">
+    <mc:Choice Requires="p15">
       <p:transition xmlns:p14="http://schemas.microsoft.com/office/powerpoint/2010/main" spd="slow" p14:dur="2000" advTm="8000">
         <p15:prstTrans prst="pageCurlDouble"/>
       </p:transition>
     </mc:Choice>
-    <mc:Fallback>
+    <mc:Fallback xmlns="">
       <p:transition spd="slow" advTm="8000">
         <p:fade/>
       </p:transition>
@@ -6954,7 +6954,7 @@
         </p:blipFill>
         <p:spPr>
           <a:xfrm>
-            <a:off x="1519077" y="4531055"/>
+            <a:off x="-556213" y="4729006"/>
             <a:ext cx="487640" cy="414494"/>
           </a:xfrm>
           <a:prstGeom prst="rect">
@@ -6972,13 +6972,13 @@
   <p:clrMapOvr>
     <a:masterClrMapping/>
   </p:clrMapOvr>
-  <mc:AlternateContent xmlns:mc="http://schemas.openxmlformats.org/markup-compatibility/2006">
-    <mc:Choice xmlns:p14="http://schemas.microsoft.com/office/powerpoint/2010/main" Requires="p14">
+  <mc:AlternateContent xmlns:mc="http://schemas.openxmlformats.org/markup-compatibility/2006" xmlns:p14="http://schemas.microsoft.com/office/powerpoint/2010/main">
+    <mc:Choice Requires="p14">
       <p:transition spd="slow" p14:dur="2000" advTm="8000">
         <p:wipe/>
       </p:transition>
     </mc:Choice>
-    <mc:Fallback>
+    <mc:Fallback xmlns="">
       <p:transition spd="slow" advTm="8000">
         <p:wipe/>
       </p:transition>
@@ -7030,7 +7030,7 @@
                                     <p:cond delay="1000"/>
                                   </p:stCondLst>
                                   <p:childTnLst>
-                                    <p:animMotion origin="layout" path="M 0.04861 -0.01759 L 0.04861 -0.01759 C 0.04844 -0.02408 0.04826 -0.03056 0.04774 -0.03704 C 0.04757 -0.03982 0.04705 -0.04229 0.04687 -0.04506 C 0.04514 -0.06852 0.04705 -0.05371 0.04514 -0.06729 C 0.04566 -0.08611 0.04601 -0.10494 0.04687 -0.12346 C 0.04757 -0.13797 0.04739 -0.13611 0.05052 -0.14445 C 0.05191 -0.15679 0.05035 -0.14815 0.05312 -0.1571 C 0.05451 -0.16142 0.0566 -0.17068 0.05851 -0.17315 C 0.05955 -0.17408 0.06024 -0.17531 0.06128 -0.17624 C 0.06476 -0.17963 0.06753 -0.18272 0.07118 -0.18426 C 0.07361 -0.1855 0.07587 -0.18735 0.07847 -0.18766 L 0.08923 -0.1892 C 0.10746 -0.19722 0.09427 -0.19198 0.13871 -0.1892 C 0.14062 -0.1892 0.1467 -0.18488 0.14774 -0.18426 C 0.15833 -0.18056 0.14514 -0.18519 0.15851 -0.18118 C 0.17413 -0.17655 0.15538 -0.1821 0.1658 -0.17809 C 0.16753 -0.17716 0.16944 -0.17685 0.17118 -0.17624 C 0.1809 -0.17315 0.16996 -0.17624 0.18194 -0.17315 C 0.19253 -0.17377 0.20295 -0.17377 0.21354 -0.17469 C 0.21441 -0.17469 0.21528 -0.17593 0.21632 -0.17624 C 0.21857 -0.17747 0.22101 -0.17809 0.22344 -0.17963 L 0.22882 -0.18272 C 0.22969 -0.18334 0.23055 -0.18395 0.2316 -0.18426 L 0.23507 -0.18611 C 0.23628 -0.18766 0.2375 -0.1892 0.23871 -0.19074 C 0.24028 -0.19259 0.24184 -0.19352 0.24323 -0.19568 C 0.24531 -0.19846 0.24722 -0.20155 0.24861 -0.20525 C 0.2533 -0.21729 0.25121 -0.21142 0.25503 -0.22284 C 0.25521 -0.225 0.25521 -0.22716 0.2559 -0.22932 C 0.25642 -0.23118 0.25781 -0.23241 0.25851 -0.23395 C 0.25937 -0.2358 0.26232 -0.24259 0.26302 -0.24537 C 0.26371 -0.24722 0.26423 -0.24939 0.26493 -0.25155 C 0.2651 -0.25371 0.26528 -0.25618 0.2658 -0.25803 C 0.26614 -0.25988 0.26701 -0.26111 0.26753 -0.26297 C 0.26823 -0.26482 0.26875 -0.26729 0.26944 -0.26914 C 0.26962 -0.27408 0.26996 -0.27901 0.27031 -0.28364 C 0.27083 -0.29198 0.27135 -0.29661 0.27205 -0.30463 C 0.27274 -0.32006 0.27309 -0.3355 0.27396 -0.35093 C 0.27413 -0.35679 0.2743 -0.36266 0.27482 -0.36852 C 0.275 -0.37037 0.27552 -0.37192 0.27569 -0.37346 C 0.27604 -0.37593 0.27621 -0.37871 0.27656 -0.38148 C 0.27691 -0.39476 0.27673 -0.40803 0.27743 -0.42161 C 0.27778 -0.42593 0.27934 -0.43426 0.27934 -0.43426 C 0.28073 -0.4571 0.27934 -0.44136 0.28107 -0.45525 C 0.28142 -0.45772 0.2816 -0.4605 0.28194 -0.46327 C 0.28246 -0.46636 0.28333 -0.46945 0.28385 -0.47284 C 0.28403 -0.475 0.2842 -0.47716 0.28472 -0.47901 C 0.28819 -0.49136 0.28732 -0.4855 0.29097 -0.49352 C 0.29167 -0.49506 0.29201 -0.49722 0.29288 -0.49846 C 0.29357 -0.49939 0.29462 -0.49908 0.29548 -0.5 C 0.30538 -0.50864 0.29444 -0.50155 0.30538 -0.50803 L 0.30816 -0.50957 L 0.31076 -0.51111 C 0.31597 -0.5105 0.32101 -0.5105 0.32621 -0.50957 C 0.32708 -0.50926 0.32812 -0.50895 0.32882 -0.50803 C 0.32986 -0.50679 0.33038 -0.50432 0.3316 -0.50309 C 0.33316 -0.50155 0.33698 -0.5 0.33698 -0.5 C 0.33785 -0.49877 0.33871 -0.49753 0.33958 -0.49692 C 0.34132 -0.49537 0.34514 -0.49352 0.34514 -0.49352 C 0.35208 -0.48426 0.34479 -0.4929 0.35417 -0.4855 C 0.35503 -0.48488 0.3559 -0.48334 0.35677 -0.48241 C 0.35816 -0.48118 0.35989 -0.48025 0.36128 -0.47901 C 0.3625 -0.47809 0.36371 -0.47685 0.36493 -0.47593 C 0.36701 -0.47439 0.37205 -0.47315 0.37396 -0.47284 C 0.37517 -0.47161 0.37621 -0.47037 0.37743 -0.46945 C 0.37899 -0.46852 0.38246 -0.46667 0.38385 -0.46636 C 0.38923 -0.46451 0.38923 -0.46543 0.39375 -0.46327 C 0.39496 -0.46235 0.4026 -0.45741 0.40538 -0.45679 C 0.40851 -0.45587 0.41146 -0.45556 0.41441 -0.45525 C 0.41719 -0.45463 0.41979 -0.45432 0.42257 -0.4534 C 0.42413 -0.45309 0.42552 -0.45216 0.42708 -0.45185 C 0.4316 -0.45124 0.43611 -0.45093 0.44062 -0.45031 C 0.44236 -0.44969 0.44427 -0.44939 0.44601 -0.44877 C 0.44722 -0.44815 0.44826 -0.44722 0.44965 -0.44722 C 0.46007 -0.44722 0.47066 -0.44815 0.48107 -0.44877 C 0.48264 -0.44969 0.4842 -0.45062 0.48559 -0.45185 C 0.48698 -0.45309 0.48802 -0.45494 0.48923 -0.45679 C 0.49288 -0.46204 0.49722 -0.46605 0.5 -0.47284 C 0.50208 -0.47747 0.50399 -0.48272 0.50642 -0.48704 C 0.51423 -0.50124 0.51163 -0.49506 0.51528 -0.50463 C 0.51562 -0.50648 0.5158 -0.50803 0.51632 -0.50957 C 0.51979 -0.52068 0.51823 -0.51111 0.52083 -0.52253 C 0.52153 -0.52562 0.52187 -0.52901 0.52257 -0.5321 C 0.52396 -0.53858 0.52552 -0.54476 0.52708 -0.55124 C 0.52795 -0.55494 0.52969 -0.56235 0.52969 -0.56235 C 0.53125 -0.58334 0.52986 -0.56821 0.5316 -0.58179 C 0.53194 -0.58426 0.53212 -0.58704 0.53246 -0.58982 C 0.53333 -0.59445 0.5342 -0.59939 0.53524 -0.60401 C 0.53715 -0.62469 0.53472 -0.6034 0.53785 -0.62161 C 0.54219 -0.64661 0.53698 -0.62315 0.54236 -0.64568 C 0.54271 -0.65278 0.54271 -0.65957 0.54323 -0.66667 C 0.54357 -0.66945 0.54444 -0.67192 0.54514 -0.67469 C 0.54774 -0.68488 0.54722 -0.68272 0.55052 -0.69074 C 0.55069 -0.69229 0.55226 -0.70803 0.55312 -0.70834 C 0.55642 -0.70926 0.55989 -0.71019 0.56302 -0.71142 C 0.56823 -0.71327 0.57326 -0.71636 0.57847 -0.7179 C 0.58177 -0.71883 0.58507 -0.71883 0.58837 -0.71945 C 0.5908 -0.71976 0.59305 -0.72037 0.59548 -0.72099 C 0.60521 -0.72778 0.5941 -0.72099 0.60903 -0.72593 C 0.61094 -0.72655 0.6125 -0.72871 0.61441 -0.72901 L 0.6217 -0.73056 C 0.625 -0.73118 0.6283 -0.73148 0.6316 -0.73241 C 0.63333 -0.73272 0.63524 -0.73334 0.63698 -0.73395 C 0.63993 -0.73488 0.64601 -0.73704 0.64601 -0.73704 C 0.64687 -0.73858 0.64774 -0.74043 0.64861 -0.74198 C 0.65035 -0.74414 0.65312 -0.74692 0.65503 -0.74815 C 0.6559 -0.74908 0.65677 -0.74939 0.65764 -0.75 C 0.66059 -0.75772 0.65798 -0.75247 0.66319 -0.75803 C 0.66319 -0.75803 0.66979 -0.76605 0.67118 -0.76759 C 0.67205 -0.76852 0.67292 -0.76976 0.67396 -0.77068 L 0.67569 -0.77222 L 0.68212 -0.77377 " pathEditMode="relative" ptsTypes="AAAAAAAAAAAAAAAAAAAAAAAAAAAAAAAAAAAAAAAAAAAAAAAAAAAAAAAAAAAAAAAAAAAAAAAAAAAAAAAAAAAAAAAAAAAAAAAAAAAAAAAAAAAAAAAAA">
+                                    <p:animMotion origin="layout" path="M 0.03837 -0.02284 L 0.03837 -0.02284 C 0.06372 -0.03797 0.03837 -0.02469 0.09913 -0.02932 C 0.10209 -0.02932 0.10486 -0.03148 0.10781 -0.03241 L 0.11389 -0.03395 C 0.11962 -0.03889 0.11615 -0.03642 0.12431 -0.04013 L 0.12778 -0.04167 C 0.13316 -0.04784 0.12761 -0.04229 0.13663 -0.0463 C 0.13802 -0.04692 0.13941 -0.04846 0.14097 -0.04938 C 0.14202 -0.05 0.14323 -0.05 0.14445 -0.05093 C 0.14861 -0.0534 0.15365 -0.05679 0.15747 -0.06173 C 0.16268 -0.06852 0.15747 -0.06482 0.16268 -0.0679 C 0.16441 -0.07099 0.16667 -0.07315 0.16788 -0.07716 C 0.16841 -0.07901 0.1691 -0.08117 0.16962 -0.08334 C 0.16997 -0.08488 0.16997 -0.08642 0.17049 -0.08797 C 0.17101 -0.08951 0.17188 -0.09074 0.17222 -0.09259 C 0.17709 -0.11358 0.17257 -0.10031 0.17656 -0.11111 C 0.17709 -0.11513 0.17795 -0.11914 0.1783 -0.12346 C 0.17865 -0.12716 0.17882 -0.13056 0.17917 -0.13426 C 0.17952 -0.13797 0.18091 -0.14167 0.18177 -0.14506 C 0.18229 -0.15124 0.18281 -0.15741 0.18351 -0.16358 C 0.18559 -0.1821 0.18472 -0.17377 0.18611 -0.18827 C 0.18646 -0.19568 0.18646 -0.20278 0.18698 -0.20988 C 0.18716 -0.21204 0.18768 -0.2142 0.18785 -0.21605 C 0.1882 -0.22037 0.18837 -0.22438 0.18872 -0.22871 C 0.18924 -0.23272 0.19045 -0.24105 0.19045 -0.24105 C 0.1908 -0.24722 0.1908 -0.2534 0.19132 -0.25957 C 0.19167 -0.26297 0.19323 -0.26729 0.19393 -0.27037 C 0.19618 -0.27932 0.19323 -0.27068 0.19653 -0.27963 C 0.19688 -0.28117 0.19705 -0.28272 0.1974 -0.28426 C 0.19844 -0.28766 0.20018 -0.29105 0.20174 -0.29352 C 0.20434 -0.29722 0.20695 -0.30062 0.20955 -0.30432 C 0.21077 -0.30587 0.21163 -0.30834 0.21302 -0.30895 L 0.21997 -0.31204 C 0.22153 -0.31358 0.22275 -0.31574 0.22431 -0.31667 C 0.22604 -0.31759 0.22795 -0.31759 0.22952 -0.31821 C 0.23768 -0.32099 0.229 -0.31821 0.23577 -0.3213 C 0.24045 -0.32346 0.2408 -0.32253 0.24618 -0.32438 C 0.24722 -0.32469 0.24844 -0.32562 0.24966 -0.32593 C 0.25243 -0.32716 0.25538 -0.32809 0.25834 -0.32901 C 0.25972 -0.32963 0.26129 -0.32994 0.26268 -0.33056 C 0.26372 -0.33117 0.26493 -0.33179 0.26615 -0.3321 C 0.26841 -0.33272 0.27084 -0.33303 0.27309 -0.33364 C 0.27431 -0.33395 0.27535 -0.33488 0.27656 -0.33519 C 0.27952 -0.3358 0.28229 -0.33611 0.28525 -0.33673 L 0.32431 -0.33519 C 0.32552 -0.33519 0.32674 -0.33395 0.32778 -0.33364 C 0.33073 -0.33303 0.33368 -0.33241 0.33663 -0.3321 C 0.35018 -0.33087 0.36389 -0.32994 0.37743 -0.32901 C 0.48316 -0.33364 0.41163 -0.32284 0.50087 -0.35216 C 0.52518 -0.36019 0.52535 -0.35895 0.54966 -0.37222 C 0.55261 -0.37408 0.55556 -0.37562 0.55834 -0.3784 C 0.56528 -0.3858 0.5724 -0.39815 0.5783 -0.40772 C 0.58229 -0.42192 0.58038 -0.41636 0.58351 -0.42469 C 0.58542 -0.43889 0.58281 -0.42222 0.58872 -0.44352 C 0.59323 -0.45895 0.5875 -0.43982 0.59306 -0.45587 C 0.59375 -0.45772 0.59427 -0.45988 0.59479 -0.46204 C 0.59566 -0.46451 0.59653 -0.46698 0.5974 -0.46976 C 0.59931 -0.4858 0.59688 -0.46883 0.60087 -0.48519 C 0.60139 -0.48704 0.60139 -0.4892 0.60174 -0.49136 C 0.60226 -0.49445 0.60313 -0.49753 0.60347 -0.50062 C 0.604 -0.50309 0.604 -0.50587 0.60434 -0.50834 C 0.60556 -0.51574 0.60747 -0.52006 0.60955 -0.52685 C 0.61493 -0.56945 0.60816 -0.51636 0.61302 -0.55155 C 0.61337 -0.55401 0.61354 -0.55679 0.61389 -0.55926 C 0.61962 -0.58673 0.61337 -0.54568 0.6191 -0.58241 C 0.62066 -0.59167 0.62118 -0.60155 0.62361 -0.61019 C 0.62466 -0.61451 0.62587 -0.61852 0.62709 -0.62253 C 0.62986 -0.63364 0.63143 -0.64445 0.63663 -0.65371 L 0.64097 -0.66142 C 0.64184 -0.66605 0.64236 -0.67068 0.64358 -0.67531 C 0.65417 -0.71852 0.64531 -0.67871 0.654 -0.7108 C 0.65591 -0.7179 0.6566 -0.72624 0.6592 -0.73241 C 0.66997 -0.75803 0.65261 -0.71636 0.66441 -0.7463 C 0.66684 -0.75247 0.66771 -0.75371 0.67049 -0.75864 C 0.6724 -0.76543 0.67275 -0.76729 0.6757 -0.77408 C 0.67639 -0.77593 0.67743 -0.77716 0.6783 -0.77871 C 0.68177 -0.7784 0.68525 -0.7784 0.68872 -0.77716 C 0.69063 -0.77655 0.69219 -0.775 0.69393 -0.77408 C 0.69722 -0.77253 0.69844 -0.77253 0.70174 -0.76945 C 0.70417 -0.76729 0.70504 -0.76451 0.70781 -0.76327 C 0.71163 -0.76173 0.71545 -0.76111 0.7191 -0.76019 C 0.72518 -0.75679 0.71771 -0.7608 0.72622 -0.7571 C 0.72709 -0.75679 0.72795 -0.75617 0.72882 -0.75556 C 0.72986 -0.75494 0.73108 -0.75463 0.73229 -0.75401 C 0.73663 -0.75155 0.73698 -0.75093 0.74097 -0.74938 C 0.74271 -0.74877 0.74445 -0.74846 0.74618 -0.74784 C 0.7474 -0.74753 0.74844 -0.74661 0.74966 -0.7463 C 0.75278 -0.74568 0.75608 -0.74537 0.7592 -0.74476 C 0.76459 -0.74167 0.75938 -0.74445 0.76875 -0.74167 C 0.77188 -0.74074 0.77518 -0.7392 0.7783 -0.73858 C 0.78264 -0.73766 0.78698 -0.73766 0.79132 -0.73704 C 0.79393 -0.73673 0.79653 -0.73611 0.79913 -0.7355 C 0.80538 -0.73179 0.79792 -0.73611 0.80955 -0.73087 C 0.81059 -0.73056 0.81129 -0.72963 0.81216 -0.72932 C 0.81563 -0.7284 0.81927 -0.7284 0.82275 -0.72778 C 0.82674 -0.72685 0.83073 -0.72562 0.8349 -0.72469 L 0.87743 -0.72624 C 0.87986 -0.72624 0.88177 -0.72809 0.88351 -0.73087 C 0.88472 -0.73272 0.88594 -0.73488 0.88698 -0.73704 C 0.88837 -0.73982 0.89045 -0.7463 0.89045 -0.7463 C 0.89115 -0.74969 0.89202 -0.7571 0.89393 -0.76019 C 0.89549 -0.76266 0.89913 -0.76636 0.89913 -0.76636 C 0.89983 -0.7679 0.90052 -0.76945 0.90087 -0.77099 C 0.90139 -0.77253 0.90139 -0.77438 0.90174 -0.77562 C 0.90747 -0.79352 0.90295 -0.7784 0.90781 -0.78951 C 0.9092 -0.79259 0.91129 -0.79877 0.91129 -0.79877 C 0.91163 -0.80031 0.91216 -0.80185 0.91216 -0.8034 C 0.91268 -0.8108 0.91302 -0.825 0.91302 -0.825 L 0.91406 -0.83735 " pathEditMode="relative" ptsTypes="AAAAAAAAAAAAAAAAAAAAAAAAAAAAAAAAAAAAAAAAAAAAAAAAAAAAAAAAAAAAAAAAAAAAAAAAAAAAAAAAAAAAAAAAAAAAAAAAAAAAAAAAAAAAAA">
                                       <p:cBhvr>
                                         <p:cTn id="8" dur="5000" fill="hold"/>
                                         <p:tgtEl>
@@ -7518,13 +7518,13 @@
   <p:clrMapOvr>
     <a:masterClrMapping/>
   </p:clrMapOvr>
-  <mc:AlternateContent xmlns:mc="http://schemas.openxmlformats.org/markup-compatibility/2006">
-    <mc:Choice xmlns:p15="http://schemas.microsoft.com/office/powerpoint/2012/main" Requires="p15">
+  <mc:AlternateContent xmlns:mc="http://schemas.openxmlformats.org/markup-compatibility/2006" xmlns:p15="http://schemas.microsoft.com/office/powerpoint/2012/main">
+    <mc:Choice Requires="p15">
       <p:transition xmlns:p14="http://schemas.microsoft.com/office/powerpoint/2010/main" spd="slow" p14:dur="2000" advTm="8000">
         <p15:prstTrans prst="pageCurlDouble"/>
       </p:transition>
     </mc:Choice>
-    <mc:Fallback>
+    <mc:Fallback xmlns="">
       <p:transition spd="slow" advTm="8000">
         <p:fade/>
       </p:transition>
@@ -7961,13 +7961,13 @@
   <p:clrMapOvr>
     <a:masterClrMapping/>
   </p:clrMapOvr>
-  <mc:AlternateContent xmlns:mc="http://schemas.openxmlformats.org/markup-compatibility/2006">
-    <mc:Choice xmlns:p14="http://schemas.microsoft.com/office/powerpoint/2010/main" Requires="p14">
+  <mc:AlternateContent xmlns:mc="http://schemas.openxmlformats.org/markup-compatibility/2006" xmlns:p14="http://schemas.microsoft.com/office/powerpoint/2010/main">
+    <mc:Choice Requires="p14">
       <p:transition spd="slow" p14:dur="2000" advTm="8000">
         <p:wipe/>
       </p:transition>
     </mc:Choice>
-    <mc:Fallback>
+    <mc:Fallback xmlns="">
       <p:transition spd="slow" advTm="8000">
         <p:wipe/>
       </p:transition>
@@ -8335,13 +8335,13 @@
   <p:clrMapOvr>
     <a:masterClrMapping/>
   </p:clrMapOvr>
-  <mc:AlternateContent xmlns:mc="http://schemas.openxmlformats.org/markup-compatibility/2006">
-    <mc:Choice xmlns:p15="http://schemas.microsoft.com/office/powerpoint/2012/main" Requires="p15">
+  <mc:AlternateContent xmlns:mc="http://schemas.openxmlformats.org/markup-compatibility/2006" xmlns:p15="http://schemas.microsoft.com/office/powerpoint/2012/main">
+    <mc:Choice Requires="p15">
       <p:transition xmlns:p14="http://schemas.microsoft.com/office/powerpoint/2010/main" spd="slow" p14:dur="2000" advTm="8000">
         <p15:prstTrans prst="pageCurlDouble"/>
       </p:transition>
     </mc:Choice>
-    <mc:Fallback>
+    <mc:Fallback xmlns="">
       <p:transition spd="slow" advTm="8000">
         <p:fade/>
       </p:transition>
@@ -8814,13 +8814,13 @@
   <p:clrMapOvr>
     <a:masterClrMapping/>
   </p:clrMapOvr>
-  <mc:AlternateContent xmlns:mc="http://schemas.openxmlformats.org/markup-compatibility/2006">
-    <mc:Choice xmlns:p15="http://schemas.microsoft.com/office/powerpoint/2012/main" Requires="p15">
+  <mc:AlternateContent xmlns:mc="http://schemas.openxmlformats.org/markup-compatibility/2006" xmlns:p15="http://schemas.microsoft.com/office/powerpoint/2012/main">
+    <mc:Choice Requires="p15">
       <p:transition xmlns:p14="http://schemas.microsoft.com/office/powerpoint/2010/main" spd="slow" p14:dur="2000" advTm="8000">
         <p15:prstTrans prst="pageCurlDouble"/>
       </p:transition>
     </mc:Choice>
-    <mc:Fallback>
+    <mc:Fallback xmlns="">
       <p:transition spd="slow" advTm="8000">
         <p:fade/>
       </p:transition>
@@ -9542,13 +9542,13 @@
   <p:clrMapOvr>
     <a:masterClrMapping/>
   </p:clrMapOvr>
-  <mc:AlternateContent xmlns:mc="http://schemas.openxmlformats.org/markup-compatibility/2006">
-    <mc:Choice xmlns:p15="http://schemas.microsoft.com/office/powerpoint/2012/main" Requires="p15">
+  <mc:AlternateContent xmlns:mc="http://schemas.openxmlformats.org/markup-compatibility/2006" xmlns:p15="http://schemas.microsoft.com/office/powerpoint/2012/main">
+    <mc:Choice Requires="p15">
       <p:transition xmlns:p14="http://schemas.microsoft.com/office/powerpoint/2010/main" spd="slow" p14:dur="2000" advTm="8000">
         <p15:prstTrans prst="pageCurlDouble"/>
       </p:transition>
     </mc:Choice>
-    <mc:Fallback>
+    <mc:Fallback xmlns="">
       <p:transition spd="slow" advTm="8000">
         <p:fade/>
       </p:transition>
@@ -10277,13 +10277,13 @@
   <p:clrMapOvr>
     <a:masterClrMapping/>
   </p:clrMapOvr>
-  <mc:AlternateContent xmlns:mc="http://schemas.openxmlformats.org/markup-compatibility/2006">
-    <mc:Choice xmlns:p15="http://schemas.microsoft.com/office/powerpoint/2012/main" Requires="p15">
+  <mc:AlternateContent xmlns:mc="http://schemas.openxmlformats.org/markup-compatibility/2006" xmlns:p15="http://schemas.microsoft.com/office/powerpoint/2012/main">
+    <mc:Choice Requires="p15">
       <p:transition xmlns:p14="http://schemas.microsoft.com/office/powerpoint/2010/main" spd="slow" p14:dur="2000" advTm="8000">
         <p15:prstTrans prst="pageCurlDouble"/>
       </p:transition>
     </mc:Choice>
-    <mc:Fallback>
+    <mc:Fallback xmlns="">
       <p:transition spd="slow" advTm="8000">
         <p:fade/>
       </p:transition>
@@ -11071,13 +11071,13 @@
   <p:clrMapOvr>
     <a:masterClrMapping/>
   </p:clrMapOvr>
-  <mc:AlternateContent xmlns:mc="http://schemas.openxmlformats.org/markup-compatibility/2006">
-    <mc:Choice xmlns:p15="http://schemas.microsoft.com/office/powerpoint/2012/main" Requires="p15">
+  <mc:AlternateContent xmlns:mc="http://schemas.openxmlformats.org/markup-compatibility/2006" xmlns:p15="http://schemas.microsoft.com/office/powerpoint/2012/main">
+    <mc:Choice Requires="p15">
       <p:transition xmlns:p14="http://schemas.microsoft.com/office/powerpoint/2010/main" spd="slow" p14:dur="2000" advTm="8000">
         <p15:prstTrans prst="pageCurlDouble"/>
       </p:transition>
     </mc:Choice>
-    <mc:Fallback>
+    <mc:Fallback xmlns="">
       <p:transition spd="slow" advTm="8000">
         <p:fade/>
       </p:transition>
@@ -11806,13 +11806,13 @@
   <p:clrMapOvr>
     <a:masterClrMapping/>
   </p:clrMapOvr>
-  <mc:AlternateContent xmlns:mc="http://schemas.openxmlformats.org/markup-compatibility/2006">
-    <mc:Choice xmlns:p15="http://schemas.microsoft.com/office/powerpoint/2012/main" Requires="p15">
+  <mc:AlternateContent xmlns:mc="http://schemas.openxmlformats.org/markup-compatibility/2006" xmlns:p15="http://schemas.microsoft.com/office/powerpoint/2012/main">
+    <mc:Choice Requires="p15">
       <p:transition xmlns:p14="http://schemas.microsoft.com/office/powerpoint/2010/main" spd="slow" p14:dur="2000" advTm="8000">
         <p15:prstTrans prst="pageCurlDouble"/>
       </p:transition>
     </mc:Choice>
-    <mc:Fallback>
+    <mc:Fallback xmlns="">
       <p:transition spd="slow" advTm="8000">
         <p:fade/>
       </p:transition>
@@ -12600,13 +12600,13 @@
   <p:clrMapOvr>
     <a:masterClrMapping/>
   </p:clrMapOvr>
-  <mc:AlternateContent xmlns:mc="http://schemas.openxmlformats.org/markup-compatibility/2006">
-    <mc:Choice xmlns:p15="http://schemas.microsoft.com/office/powerpoint/2012/main" Requires="p15">
+  <mc:AlternateContent xmlns:mc="http://schemas.openxmlformats.org/markup-compatibility/2006" xmlns:p15="http://schemas.microsoft.com/office/powerpoint/2012/main">
+    <mc:Choice Requires="p15">
       <p:transition xmlns:p14="http://schemas.microsoft.com/office/powerpoint/2010/main" spd="slow" p14:dur="2000" advTm="8000">
         <p15:prstTrans prst="pageCurlDouble"/>
       </p:transition>
     </mc:Choice>
-    <mc:Fallback>
+    <mc:Fallback xmlns="">
       <p:transition spd="slow" advTm="8000">
         <p:fade/>
       </p:transition>
@@ -12986,13 +12986,13 @@
   <p:clrMapOvr>
     <a:masterClrMapping/>
   </p:clrMapOvr>
-  <mc:AlternateContent xmlns:mc="http://schemas.openxmlformats.org/markup-compatibility/2006">
-    <mc:Choice xmlns:p15="http://schemas.microsoft.com/office/powerpoint/2012/main" Requires="p15">
+  <mc:AlternateContent xmlns:mc="http://schemas.openxmlformats.org/markup-compatibility/2006" xmlns:p15="http://schemas.microsoft.com/office/powerpoint/2012/main">
+    <mc:Choice Requires="p15">
       <p:transition xmlns:p14="http://schemas.microsoft.com/office/powerpoint/2010/main" spd="slow" p14:dur="2000" advTm="8000">
         <p15:prstTrans prst="pageCurlDouble"/>
       </p:transition>
     </mc:Choice>
-    <mc:Fallback>
+    <mc:Fallback xmlns="">
       <p:transition spd="slow" advTm="8000">
         <p:fade/>
       </p:transition>
